--- a/slides/Ansible Fundamentals.pptx
+++ b/slides/Ansible Fundamentals.pptx
@@ -228,7 +228,7 @@
           <a:p>
             <a:fld id="{7C07E295-FCD0-4D44-A623-0109822EB7BA}" type="datetimeFigureOut">
               <a:rPr lang="en-US"/>
-              <a:t>3/2/2017</a:t>
+              <a:t>3/2/17</a:t>
             </a:fld>
             <a:endParaRPr lang="en-US"/>
           </a:p>
@@ -23982,6 +23982,14 @@
               <a:rPr lang="en-US" sz="2400" u="sng"/>
               <a:t>network</a:t>
             </a:r>
+            <a:r>
+              <a:rPr lang="en-US" sz="2400">
+                <a:solidFill>
+                  <a:schemeClr val="tx1"/>
+                </a:solidFill>
+              </a:rPr>
+              <a:t/>
+            </a:r>
             <a:br>
               <a:rPr lang="en-US" sz="2400">
                 <a:solidFill>
@@ -24320,8 +24328,12 @@
           <a:lstStyle/>
           <a:p>
             <a:r>
-              <a:rPr lang="en-US"/>
-              <a:t>Ansible Playbook</a:t>
+              <a:rPr lang="en-US" dirty="0" err="1"/>
+              <a:t>Ansible</a:t>
+            </a:r>
+            <a:r>
+              <a:rPr lang="en-US" dirty="0"/>
+              <a:t> Playbook</a:t>
             </a:r>
           </a:p>
         </p:txBody>
@@ -24371,21 +24383,45 @@
           <a:lstStyle/>
           <a:p>
             <a:r>
-              <a:rPr lang="en-US" sz="2400">
+              <a:rPr lang="en-US" sz="2400" dirty="0">
                 <a:solidFill>
                   <a:srgbClr val="BFBFBF"/>
                 </a:solidFill>
               </a:rPr>
-              <a:t>"Playbooks are the language by which Ansible orchestrates, configures, administers, or deploys systems. They are called playbooks partially because it’s a sports analogy, and it’s supposed to be fun using them. They aren’t workbooks :)"</a:t>
+              <a:t>"Playbooks are the language by which </a:t>
+            </a:r>
+            <a:r>
+              <a:rPr lang="en-US" sz="2400" dirty="0" err="1">
+                <a:solidFill>
+                  <a:srgbClr val="BFBFBF"/>
+                </a:solidFill>
+              </a:rPr>
+              <a:t>Ansible</a:t>
+            </a:r>
+            <a:r>
+              <a:rPr lang="en-US" sz="2400" dirty="0">
+                <a:solidFill>
+                  <a:srgbClr val="BFBFBF"/>
+                </a:solidFill>
+              </a:rPr>
+              <a:t> orchestrates, configures, administers, or deploys systems. They are called playbooks partially because it’s a sports analogy, and it’s supposed to be fun using them. They aren’t workbooks :)"</a:t>
+            </a:r>
+            <a:r>
+              <a:rPr lang="en-US" sz="2400" dirty="0">
+                <a:solidFill>
+                  <a:schemeClr val="tx1"/>
+                </a:solidFill>
+              </a:rPr>
+              <a:t/>
             </a:r>
             <a:br>
-              <a:rPr lang="en-US" sz="2400">
+              <a:rPr lang="en-US" sz="2400" dirty="0">
                 <a:solidFill>
                   <a:schemeClr val="tx1"/>
                 </a:solidFill>
               </a:rPr>
             </a:br>
-            <a:endParaRPr lang="en-US" sz="2400">
+            <a:endParaRPr lang="en-US" sz="2400" dirty="0">
               <a:solidFill>
                 <a:schemeClr val="tx1"/>
               </a:solidFill>
@@ -24393,7 +24429,7 @@
           </a:p>
           <a:p>
             <a:r>
-              <a:rPr lang="en-US" sz="2400">
+              <a:rPr lang="en-US" sz="2400" dirty="0">
                 <a:solidFill>
                   <a:srgbClr val="8DB3E2"/>
                 </a:solidFill>
@@ -24743,55 +24779,59 @@
           <a:p>
             <a:pPr marL="419099" indent="-342900"/>
             <a:r>
-              <a:rPr lang="en-US" sz="2450"/>
-              <a:t>A single configuration to execute on a target host</a:t>
+              <a:rPr lang="en-US" sz="2450" dirty="0" smtClean="0"/>
+              <a:t>A configuration directive </a:t>
+            </a:r>
+            <a:r>
+              <a:rPr lang="en-US" sz="2450" dirty="0"/>
+              <a:t>to execute on a target host</a:t>
             </a:r>
           </a:p>
           <a:p>
             <a:pPr marL="419099" indent="-342900"/>
             <a:r>
-              <a:rPr lang="en-US" sz="2450"/>
+              <a:rPr lang="en-US" sz="2450" dirty="0"/>
               <a:t>Multiple tasks run in order as part of a playbook</a:t>
             </a:r>
           </a:p>
           <a:p>
             <a:pPr marL="419099" indent="-342900"/>
             <a:r>
-              <a:rPr lang="en-US" sz="2450"/>
+              <a:rPr lang="en-US" sz="2450" dirty="0"/>
               <a:t>Tasks can be dependent on other tasks</a:t>
             </a:r>
           </a:p>
           <a:p>
             <a:pPr marL="419099" indent="-342900"/>
             <a:r>
-              <a:rPr lang="en-US" sz="2450"/>
+              <a:rPr lang="en-US" sz="2450" dirty="0"/>
               <a:t>All tasks should be named</a:t>
             </a:r>
           </a:p>
           <a:p>
             <a:pPr marL="419099" indent="-342900"/>
             <a:r>
-              <a:rPr lang="en-US" sz="2450"/>
+              <a:rPr lang="en-US" sz="2450" dirty="0"/>
               <a:t>Designed to be run repeatedly to ensure a desired state</a:t>
             </a:r>
           </a:p>
           <a:p>
             <a:pPr marL="952485" lvl="1" indent="-342900"/>
             <a:r>
-              <a:rPr lang="en-US" sz="2300"/>
+              <a:rPr lang="en-US" sz="2300" dirty="0"/>
               <a:t>Idempotent</a:t>
             </a:r>
           </a:p>
           <a:p>
             <a:pPr marL="952485" lvl="1" indent="-342900"/>
             <a:r>
-              <a:rPr lang="en-US" sz="2300"/>
+              <a:rPr lang="en-US" sz="2300" dirty="0"/>
               <a:t>Abstracted away by module</a:t>
             </a:r>
           </a:p>
           <a:p>
             <a:pPr marL="419099" indent="-342900"/>
-            <a:endParaRPr lang="en-US" sz="2450"/>
+            <a:endParaRPr lang="en-US" sz="2450" dirty="0"/>
           </a:p>
         </p:txBody>
       </p:sp>
@@ -26288,9 +26328,18 @@
           <a:lstStyle/>
           <a:p>
             <a:r>
-              <a:rPr lang="en-US" sz="3600"/>
-              <a:t>Ansible is an automation toolbox</a:t>
-            </a:r>
+              <a:rPr lang="en-US" sz="3600" dirty="0" err="1"/>
+              <a:t>Ansible</a:t>
+            </a:r>
+            <a:r>
+              <a:rPr lang="en-US" sz="3600" dirty="0"/>
+              <a:t> is an automation </a:t>
+            </a:r>
+            <a:r>
+              <a:rPr lang="en-US" sz="3600" dirty="0" smtClean="0"/>
+              <a:t>toolbox for computing systems</a:t>
+            </a:r>
+            <a:endParaRPr lang="en-US" sz="3600" dirty="0"/>
           </a:p>
         </p:txBody>
       </p:sp>
@@ -26391,28 +26440,26 @@
           <a:lstStyle/>
           <a:p>
             <a:r>
-              <a:rPr lang="en-US" sz="2400"/>
+              <a:rPr lang="en-US" sz="2400" dirty="0"/>
               <a:t>A DevOps tool</a:t>
             </a:r>
           </a:p>
           <a:p>
             <a:r>
-              <a:rPr lang="en-US" sz="2400"/>
-              <a:t>Treats infrastructure as a state machine</a:t>
-            </a:r>
-          </a:p>
-          <a:p>
-            <a:r>
-              <a:rPr lang="en-US" sz="2400"/>
-              <a:t>Source Code (versioned, PRs, releases)</a:t>
-            </a:r>
-          </a:p>
-          <a:p>
-            <a:r>
-              <a:rPr lang="en-US" sz="2400"/>
+              <a:rPr lang="en-US" sz="2400" dirty="0" smtClean="0"/>
+              <a:t>Source </a:t>
+            </a:r>
+            <a:r>
+              <a:rPr lang="en-US" sz="2400" dirty="0"/>
+              <a:t>Code (versioned, PRs, releases)</a:t>
+            </a:r>
+          </a:p>
+          <a:p>
+            <a:r>
+              <a:rPr lang="en-US" sz="2400" dirty="0"/>
               <a:t>Differs from Puppet, Chef, PowerShell DSC</a:t>
             </a:r>
-            <a:endParaRPr lang="en-US" sz="2400">
+            <a:endParaRPr lang="en-US" sz="2400" dirty="0">
               <a:solidFill>
                 <a:schemeClr val="tx1"/>
               </a:solidFill>
@@ -26421,28 +26468,28 @@
           <a:p>
             <a:pPr marL="876286" lvl="1" indent="-342900"/>
             <a:r>
-              <a:rPr lang="en-US" sz="2250"/>
+              <a:rPr lang="en-US" sz="2250" dirty="0"/>
               <a:t>No agent</a:t>
             </a:r>
           </a:p>
           <a:p>
             <a:pPr marL="876286" lvl="1" indent="-342900"/>
             <a:r>
-              <a:rPr lang="en-US" sz="2250"/>
+              <a:rPr lang="en-US" sz="2250" dirty="0"/>
               <a:t>Does more than just configuration management</a:t>
             </a:r>
           </a:p>
           <a:p>
             <a:pPr marL="876286" lvl="1" indent="-342900"/>
             <a:r>
-              <a:rPr lang="en-US" sz="2250"/>
+              <a:rPr lang="en-US" sz="2250" dirty="0"/>
               <a:t>Easier to bootstrap</a:t>
             </a:r>
           </a:p>
           <a:p>
             <a:pPr marL="876286" lvl="1" indent="-342900"/>
             <a:r>
-              <a:rPr lang="en-US" sz="2250"/>
+              <a:rPr lang="en-US" sz="2250" dirty="0"/>
               <a:t>Simpler for your team to get started</a:t>
             </a:r>
           </a:p>
@@ -26450,7 +26497,7 @@
             <a:pPr marL="533386" lvl="1" indent="0">
               <a:buNone/>
             </a:pPr>
-            <a:endParaRPr lang="en-US" sz="2250"/>
+            <a:endParaRPr lang="en-US" sz="2250" dirty="0"/>
           </a:p>
         </p:txBody>
       </p:sp>
@@ -26583,6 +26630,14 @@
               <a:rPr lang="en-US" sz="2400"/>
               <a:t>Version 2.3 imminent </a:t>
             </a:r>
+            <a:r>
+              <a:rPr lang="en-US" sz="2400">
+                <a:solidFill>
+                  <a:schemeClr val="tx1"/>
+                </a:solidFill>
+              </a:rPr>
+              <a:t/>
+            </a:r>
             <a:br>
               <a:rPr lang="en-US" sz="2400">
                 <a:solidFill>
@@ -26590,6 +26645,14 @@
                 </a:solidFill>
               </a:rPr>
             </a:br>
+            <a:r>
+              <a:rPr lang="en-US" sz="2400">
+                <a:solidFill>
+                  <a:schemeClr val="tx1"/>
+                </a:solidFill>
+              </a:rPr>
+              <a:t/>
+            </a:r>
             <a:br>
               <a:rPr lang="en-US" sz="2400">
                 <a:solidFill>

--- a/slides/Ansible Fundamentals.pptx
+++ b/slides/Ansible Fundamentals.pptx
@@ -23092,6 +23092,13 @@
   <p:transition spd="slow">
     <p:pull/>
   </p:transition>
+  <p:timing>
+    <p:tnLst>
+      <p:par>
+        <p:cTn id="1" dur="indefinite" restart="never" nodeType="tmRoot"/>
+      </p:par>
+    </p:tnLst>
+  </p:timing>
 </p:sld>
 </file>
 
@@ -24491,28 +24498,52 @@
           <a:lstStyle/>
           <a:p>
             <a:r>
+              <a:rPr lang="en-US" sz="2400" dirty="0"/>
+              <a:t>What is </a:t>
+            </a:r>
+            <a:r>
+              <a:rPr lang="en-US" sz="2400" dirty="0" err="1"/>
+              <a:t>Ansible</a:t>
+            </a:r>
+            <a:r>
+              <a:rPr lang="en-US" sz="2400" dirty="0"/>
+              <a:t>?</a:t>
+            </a:r>
+          </a:p>
+          <a:p>
+            <a:r>
+              <a:rPr lang="en-US" sz="2400" dirty="0" smtClean="0"/>
+              <a:t>Install</a:t>
+            </a:r>
+            <a:r>
+              <a:rPr lang="en-US" sz="2400" dirty="0"/>
+              <a:t> Requirements</a:t>
+            </a:r>
+          </a:p>
+          <a:p>
+            <a:r>
+              <a:rPr lang="en-US" sz="2400" dirty="0"/>
+              <a:t>Building </a:t>
+            </a:r>
+            <a:r>
+              <a:rPr lang="en-US" sz="2400" dirty="0" smtClean="0"/>
+              <a:t>Blocks</a:t>
+            </a:r>
+          </a:p>
+          <a:p>
+            <a:r>
               <a:rPr lang="en-US" sz="2400"/>
-              <a:t>What is Ansible?</a:t>
-            </a:r>
-          </a:p>
-          <a:p>
+              <a:t>Kick </a:t>
+            </a:r>
             <a:r>
               <a:rPr lang="en-US" sz="2400"/>
-              <a:t>Kick the tires</a:t>
-            </a:r>
-          </a:p>
-          <a:p>
-            <a:r>
-              <a:rPr lang="en-US" sz="2400"/>
-              <a:t>Install Requirements</a:t>
-            </a:r>
-          </a:p>
-          <a:p>
-            <a:r>
-              <a:rPr lang="en-US" sz="2400"/>
-              <a:t>Building Blocks</a:t>
-            </a:r>
-            <a:endParaRPr lang="en-US" sz="2400">
+              <a:t>the </a:t>
+            </a:r>
+            <a:r>
+              <a:rPr lang="en-US" sz="2400" smtClean="0"/>
+              <a:t>tires</a:t>
+            </a:r>
+            <a:endParaRPr lang="en-US" sz="2400" dirty="0">
               <a:solidFill>
                 <a:schemeClr val="tx1"/>
               </a:solidFill>
@@ -24520,15 +24551,23 @@
           </a:p>
           <a:p>
             <a:r>
-              <a:rPr lang="en-US" sz="2400"/>
-              <a:t>Take Ansible Further</a:t>
-            </a:r>
-          </a:p>
-          <a:p>
-            <a:endParaRPr lang="en-US"/>
-          </a:p>
-          <a:p>
-            <a:endParaRPr lang="en-US"/>
+              <a:rPr lang="en-US" sz="2400" dirty="0"/>
+              <a:t>Take </a:t>
+            </a:r>
+            <a:r>
+              <a:rPr lang="en-US" sz="2400" dirty="0" err="1"/>
+              <a:t>Ansible</a:t>
+            </a:r>
+            <a:r>
+              <a:rPr lang="en-US" sz="2400" dirty="0"/>
+              <a:t> Further</a:t>
+            </a:r>
+          </a:p>
+          <a:p>
+            <a:endParaRPr lang="en-US" dirty="0"/>
+          </a:p>
+          <a:p>
+            <a:endParaRPr lang="en-US" dirty="0"/>
           </a:p>
         </p:txBody>
       </p:sp>
@@ -24591,6 +24630,13 @@
   <p:transition spd="slow">
     <p:pull/>
   </p:transition>
+  <p:timing>
+    <p:tnLst>
+      <p:par>
+        <p:cTn id="1" dur="indefinite" restart="never" nodeType="tmRoot"/>
+      </p:par>
+    </p:tnLst>
+  </p:timing>
 </p:sld>
 </file>
 
